--- a/PPT/開會紀錄/20210922開會紀錄.pptx
+++ b/PPT/開會紀錄/20210922開會紀錄.pptx
@@ -244,7 +244,7 @@
           <a:p>
             <a:fld id="{43017DE2-62FC-4157-895D-06F7156A5A92}" type="datetimeFigureOut">
               <a:rPr lang="zh-TW" altLang="en-US" smtClean="0"/>
-              <a:t>2021/9/27</a:t>
+              <a:t>2021/9/28</a:t>
             </a:fld>
             <a:endParaRPr lang="zh-TW" altLang="en-US"/>
           </a:p>
@@ -414,7 +414,7 @@
           <a:p>
             <a:fld id="{43017DE2-62FC-4157-895D-06F7156A5A92}" type="datetimeFigureOut">
               <a:rPr lang="zh-TW" altLang="en-US" smtClean="0"/>
-              <a:t>2021/9/27</a:t>
+              <a:t>2021/9/28</a:t>
             </a:fld>
             <a:endParaRPr lang="zh-TW" altLang="en-US"/>
           </a:p>
@@ -594,7 +594,7 @@
           <a:p>
             <a:fld id="{43017DE2-62FC-4157-895D-06F7156A5A92}" type="datetimeFigureOut">
               <a:rPr lang="zh-TW" altLang="en-US" smtClean="0"/>
-              <a:t>2021/9/27</a:t>
+              <a:t>2021/9/28</a:t>
             </a:fld>
             <a:endParaRPr lang="zh-TW" altLang="en-US"/>
           </a:p>
@@ -764,7 +764,7 @@
           <a:p>
             <a:fld id="{43017DE2-62FC-4157-895D-06F7156A5A92}" type="datetimeFigureOut">
               <a:rPr lang="zh-TW" altLang="en-US" smtClean="0"/>
-              <a:t>2021/9/27</a:t>
+              <a:t>2021/9/28</a:t>
             </a:fld>
             <a:endParaRPr lang="zh-TW" altLang="en-US"/>
           </a:p>
@@ -1010,7 +1010,7 @@
           <a:p>
             <a:fld id="{43017DE2-62FC-4157-895D-06F7156A5A92}" type="datetimeFigureOut">
               <a:rPr lang="zh-TW" altLang="en-US" smtClean="0"/>
-              <a:t>2021/9/27</a:t>
+              <a:t>2021/9/28</a:t>
             </a:fld>
             <a:endParaRPr lang="zh-TW" altLang="en-US"/>
           </a:p>
@@ -1242,7 +1242,7 @@
           <a:p>
             <a:fld id="{43017DE2-62FC-4157-895D-06F7156A5A92}" type="datetimeFigureOut">
               <a:rPr lang="zh-TW" altLang="en-US" smtClean="0"/>
-              <a:t>2021/9/27</a:t>
+              <a:t>2021/9/28</a:t>
             </a:fld>
             <a:endParaRPr lang="zh-TW" altLang="en-US"/>
           </a:p>
@@ -1609,7 +1609,7 @@
           <a:p>
             <a:fld id="{43017DE2-62FC-4157-895D-06F7156A5A92}" type="datetimeFigureOut">
               <a:rPr lang="zh-TW" altLang="en-US" smtClean="0"/>
-              <a:t>2021/9/27</a:t>
+              <a:t>2021/9/28</a:t>
             </a:fld>
             <a:endParaRPr lang="zh-TW" altLang="en-US"/>
           </a:p>
@@ -1727,7 +1727,7 @@
           <a:p>
             <a:fld id="{43017DE2-62FC-4157-895D-06F7156A5A92}" type="datetimeFigureOut">
               <a:rPr lang="zh-TW" altLang="en-US" smtClean="0"/>
-              <a:t>2021/9/27</a:t>
+              <a:t>2021/9/28</a:t>
             </a:fld>
             <a:endParaRPr lang="zh-TW" altLang="en-US"/>
           </a:p>
@@ -1822,7 +1822,7 @@
           <a:p>
             <a:fld id="{43017DE2-62FC-4157-895D-06F7156A5A92}" type="datetimeFigureOut">
               <a:rPr lang="zh-TW" altLang="en-US" smtClean="0"/>
-              <a:t>2021/9/27</a:t>
+              <a:t>2021/9/28</a:t>
             </a:fld>
             <a:endParaRPr lang="zh-TW" altLang="en-US"/>
           </a:p>
@@ -2099,7 +2099,7 @@
           <a:p>
             <a:fld id="{43017DE2-62FC-4157-895D-06F7156A5A92}" type="datetimeFigureOut">
               <a:rPr lang="zh-TW" altLang="en-US" smtClean="0"/>
-              <a:t>2021/9/27</a:t>
+              <a:t>2021/9/28</a:t>
             </a:fld>
             <a:endParaRPr lang="zh-TW" altLang="en-US"/>
           </a:p>
@@ -2352,7 +2352,7 @@
           <a:p>
             <a:fld id="{43017DE2-62FC-4157-895D-06F7156A5A92}" type="datetimeFigureOut">
               <a:rPr lang="zh-TW" altLang="en-US" smtClean="0"/>
-              <a:t>2021/9/27</a:t>
+              <a:t>2021/9/28</a:t>
             </a:fld>
             <a:endParaRPr lang="zh-TW" altLang="en-US"/>
           </a:p>
@@ -2565,7 +2565,7 @@
           <a:p>
             <a:fld id="{43017DE2-62FC-4157-895D-06F7156A5A92}" type="datetimeFigureOut">
               <a:rPr lang="zh-TW" altLang="en-US" smtClean="0"/>
-              <a:t>2021/9/27</a:t>
+              <a:t>2021/9/28</a:t>
             </a:fld>
             <a:endParaRPr lang="zh-TW" altLang="en-US"/>
           </a:p>
@@ -3362,14 +3362,7 @@
                 <a:latin typeface="微軟正黑體" panose="020B0604030504040204" pitchFamily="34" charset="-120"/>
                 <a:ea typeface="微軟正黑體" panose="020B0604030504040204" pitchFamily="34" charset="-120"/>
               </a:rPr>
-              <a:t>分的效果，之後再進步。對於圖表的部分能夠先像浙豪</a:t>
-            </a:r>
-            <a:r>
-              <a:rPr lang="zh-TW" altLang="en-US" dirty="0" smtClean="0">
-                <a:latin typeface="微軟正黑體" panose="020B0604030504040204" pitchFamily="34" charset="-120"/>
-                <a:ea typeface="微軟正黑體" panose="020B0604030504040204" pitchFamily="34" charset="-120"/>
-              </a:rPr>
-              <a:t>的截圖做目標去製作。</a:t>
+              <a:t>分的效果，之後再進步。對於圖表的部分能夠先像浙豪的截圖做目標去製作。</a:t>
             </a:r>
             <a:endParaRPr lang="en-US" altLang="zh-TW" dirty="0" smtClean="0">
               <a:latin typeface="微軟正黑體" panose="020B0604030504040204" pitchFamily="34" charset="-120"/>
@@ -3843,6 +3836,69 @@
               <a:t>對於不同問題的必較建立架構</a:t>
             </a:r>
             <a:endParaRPr lang="en-US" altLang="zh-TW" dirty="0" smtClean="0">
+              <a:latin typeface="微軟正黑體" panose="020B0604030504040204" pitchFamily="34" charset="-120"/>
+              <a:ea typeface="微軟正黑體" panose="020B0604030504040204" pitchFamily="34" charset="-120"/>
+            </a:endParaRPr>
+          </a:p>
+        </p:txBody>
+      </p:sp>
+      <p:sp>
+        <p:nvSpPr>
+          <p:cNvPr id="8" name="標題 1"/>
+          <p:cNvSpPr txBox="1">
+            <a:spLocks/>
+          </p:cNvSpPr>
+          <p:nvPr/>
+        </p:nvSpPr>
+        <p:spPr>
+          <a:xfrm>
+            <a:off x="1066800" y="0"/>
+            <a:ext cx="10070124" cy="574431"/>
+          </a:xfrm>
+          <a:prstGeom prst="rect">
+            <a:avLst/>
+          </a:prstGeom>
+        </p:spPr>
+        <p:txBody>
+          <a:bodyPr vert="horz" lIns="91440" tIns="45720" rIns="91440" bIns="45720" rtlCol="0" anchor="ctr">
+            <a:normAutofit/>
+          </a:bodyPr>
+          <a:lstStyle>
+            <a:lvl1pPr algn="l" defTabSz="914400" rtl="0" eaLnBrk="1" latinLnBrk="0" hangingPunct="1">
+              <a:lnSpc>
+                <a:spcPct val="90000"/>
+              </a:lnSpc>
+              <a:spcBef>
+                <a:spcPct val="0"/>
+              </a:spcBef>
+              <a:buNone/>
+              <a:defRPr sz="4400" kern="1200">
+                <a:solidFill>
+                  <a:schemeClr val="tx1"/>
+                </a:solidFill>
+                <a:latin typeface="+mj-lt"/>
+                <a:ea typeface="+mj-ea"/>
+                <a:cs typeface="+mj-cs"/>
+              </a:defRPr>
+            </a:lvl1pPr>
+          </a:lstStyle>
+          <a:p>
+            <a:pPr algn="ctr"/>
+            <a:r>
+              <a:rPr lang="en-US" altLang="zh-TW" sz="3200" smtClean="0">
+                <a:latin typeface="微軟正黑體" panose="020B0604030504040204" pitchFamily="34" charset="-120"/>
+                <a:ea typeface="微軟正黑體" panose="020B0604030504040204" pitchFamily="34" charset="-120"/>
+              </a:rPr>
+              <a:t>20210922</a:t>
+            </a:r>
+            <a:r>
+              <a:rPr lang="zh-TW" altLang="en-US" sz="3200" smtClean="0">
+                <a:latin typeface="微軟正黑體" panose="020B0604030504040204" pitchFamily="34" charset="-120"/>
+                <a:ea typeface="微軟正黑體" panose="020B0604030504040204" pitchFamily="34" charset="-120"/>
+              </a:rPr>
+              <a:t>開會紀錄</a:t>
+            </a:r>
+            <a:endParaRPr lang="zh-TW" altLang="en-US" sz="3200" dirty="0">
               <a:latin typeface="微軟正黑體" panose="020B0604030504040204" pitchFamily="34" charset="-120"/>
               <a:ea typeface="微軟正黑體" panose="020B0604030504040204" pitchFamily="34" charset="-120"/>
             </a:endParaRPr>
